--- a/Презнтация к практике.pptx
+++ b/Презнтация к практике.pptx
@@ -118,6 +118,11 @@
       </a:defRPr>
     </a:lvl9pPr>
   </p:defaultTextStyle>
+  <p:extLst>
+    <p:ext uri="{EFAFB233-063F-42B5-8137-9DF3F51BA10A}">
+      <p15:sldGuideLst xmlns:p15="http://schemas.microsoft.com/office/powerpoint/2012/main"/>
+    </p:ext>
+  </p:extLst>
 </p:presentation>
 </file>
 
@@ -307,7 +312,7 @@
           <a:p>
             <a:fld id="{146F194B-0324-4B4D-834A-76BBE8B7C23B}" type="datetimeFigureOut">
               <a:rPr lang="ru-RU" smtClean="0"/>
-              <a:t>08.09.2024</a:t>
+              <a:t>10.09.2024</a:t>
             </a:fld>
             <a:endParaRPr lang="ru-RU"/>
           </a:p>
@@ -582,7 +587,7 @@
           <a:p>
             <a:fld id="{146F194B-0324-4B4D-834A-76BBE8B7C23B}" type="datetimeFigureOut">
               <a:rPr lang="ru-RU" smtClean="0"/>
-              <a:t>08.09.2024</a:t>
+              <a:t>10.09.2024</a:t>
             </a:fld>
             <a:endParaRPr lang="ru-RU"/>
           </a:p>
@@ -776,7 +781,7 @@
           <a:p>
             <a:fld id="{146F194B-0324-4B4D-834A-76BBE8B7C23B}" type="datetimeFigureOut">
               <a:rPr lang="ru-RU" smtClean="0"/>
-              <a:t>08.09.2024</a:t>
+              <a:t>10.09.2024</a:t>
             </a:fld>
             <a:endParaRPr lang="ru-RU"/>
           </a:p>
@@ -1049,7 +1054,7 @@
           <a:p>
             <a:fld id="{146F194B-0324-4B4D-834A-76BBE8B7C23B}" type="datetimeFigureOut">
               <a:rPr lang="ru-RU" smtClean="0"/>
-              <a:t>08.09.2024</a:t>
+              <a:t>10.09.2024</a:t>
             </a:fld>
             <a:endParaRPr lang="ru-RU"/>
           </a:p>
@@ -1390,7 +1395,7 @@
           <a:p>
             <a:fld id="{146F194B-0324-4B4D-834A-76BBE8B7C23B}" type="datetimeFigureOut">
               <a:rPr lang="ru-RU" smtClean="0"/>
-              <a:t>08.09.2024</a:t>
+              <a:t>10.09.2024</a:t>
             </a:fld>
             <a:endParaRPr lang="ru-RU"/>
           </a:p>
@@ -2013,7 +2018,7 @@
           <a:p>
             <a:fld id="{146F194B-0324-4B4D-834A-76BBE8B7C23B}" type="datetimeFigureOut">
               <a:rPr lang="ru-RU" smtClean="0"/>
-              <a:t>08.09.2024</a:t>
+              <a:t>10.09.2024</a:t>
             </a:fld>
             <a:endParaRPr lang="ru-RU"/>
           </a:p>
@@ -2873,7 +2878,7 @@
           <a:p>
             <a:fld id="{146F194B-0324-4B4D-834A-76BBE8B7C23B}" type="datetimeFigureOut">
               <a:rPr lang="ru-RU" smtClean="0"/>
-              <a:t>08.09.2024</a:t>
+              <a:t>10.09.2024</a:t>
             </a:fld>
             <a:endParaRPr lang="ru-RU"/>
           </a:p>
@@ -3043,7 +3048,7 @@
           <a:p>
             <a:fld id="{146F194B-0324-4B4D-834A-76BBE8B7C23B}" type="datetimeFigureOut">
               <a:rPr lang="ru-RU" smtClean="0"/>
-              <a:t>08.09.2024</a:t>
+              <a:t>10.09.2024</a:t>
             </a:fld>
             <a:endParaRPr lang="ru-RU"/>
           </a:p>
@@ -3223,7 +3228,7 @@
           <a:p>
             <a:fld id="{146F194B-0324-4B4D-834A-76BBE8B7C23B}" type="datetimeFigureOut">
               <a:rPr lang="ru-RU" smtClean="0"/>
-              <a:t>08.09.2024</a:t>
+              <a:t>10.09.2024</a:t>
             </a:fld>
             <a:endParaRPr lang="ru-RU"/>
           </a:p>
@@ -3393,7 +3398,7 @@
           <a:p>
             <a:fld id="{146F194B-0324-4B4D-834A-76BBE8B7C23B}" type="datetimeFigureOut">
               <a:rPr lang="ru-RU" smtClean="0"/>
-              <a:t>08.09.2024</a:t>
+              <a:t>10.09.2024</a:t>
             </a:fld>
             <a:endParaRPr lang="ru-RU"/>
           </a:p>
@@ -3640,7 +3645,7 @@
           <a:p>
             <a:fld id="{146F194B-0324-4B4D-834A-76BBE8B7C23B}" type="datetimeFigureOut">
               <a:rPr lang="ru-RU" smtClean="0"/>
-              <a:t>08.09.2024</a:t>
+              <a:t>10.09.2024</a:t>
             </a:fld>
             <a:endParaRPr lang="ru-RU"/>
           </a:p>
@@ -3932,7 +3937,7 @@
           <a:p>
             <a:fld id="{146F194B-0324-4B4D-834A-76BBE8B7C23B}" type="datetimeFigureOut">
               <a:rPr lang="ru-RU" smtClean="0"/>
-              <a:t>08.09.2024</a:t>
+              <a:t>10.09.2024</a:t>
             </a:fld>
             <a:endParaRPr lang="ru-RU"/>
           </a:p>
@@ -4376,7 +4381,7 @@
           <a:p>
             <a:fld id="{146F194B-0324-4B4D-834A-76BBE8B7C23B}" type="datetimeFigureOut">
               <a:rPr lang="ru-RU" smtClean="0"/>
-              <a:t>08.09.2024</a:t>
+              <a:t>10.09.2024</a:t>
             </a:fld>
             <a:endParaRPr lang="ru-RU"/>
           </a:p>
@@ -4494,7 +4499,7 @@
           <a:p>
             <a:fld id="{146F194B-0324-4B4D-834A-76BBE8B7C23B}" type="datetimeFigureOut">
               <a:rPr lang="ru-RU" smtClean="0"/>
-              <a:t>08.09.2024</a:t>
+              <a:t>10.09.2024</a:t>
             </a:fld>
             <a:endParaRPr lang="ru-RU"/>
           </a:p>
@@ -4589,7 +4594,7 @@
           <a:p>
             <a:fld id="{146F194B-0324-4B4D-834A-76BBE8B7C23B}" type="datetimeFigureOut">
               <a:rPr lang="ru-RU" smtClean="0"/>
-              <a:t>08.09.2024</a:t>
+              <a:t>10.09.2024</a:t>
             </a:fld>
             <a:endParaRPr lang="ru-RU"/>
           </a:p>
@@ -4868,7 +4873,7 @@
           <a:p>
             <a:fld id="{146F194B-0324-4B4D-834A-76BBE8B7C23B}" type="datetimeFigureOut">
               <a:rPr lang="ru-RU" smtClean="0"/>
-              <a:t>08.09.2024</a:t>
+              <a:t>10.09.2024</a:t>
             </a:fld>
             <a:endParaRPr lang="ru-RU"/>
           </a:p>
@@ -5143,7 +5148,7 @@
           <a:p>
             <a:fld id="{146F194B-0324-4B4D-834A-76BBE8B7C23B}" type="datetimeFigureOut">
               <a:rPr lang="ru-RU" smtClean="0"/>
-              <a:t>08.09.2024</a:t>
+              <a:t>10.09.2024</a:t>
             </a:fld>
             <a:endParaRPr lang="ru-RU"/>
           </a:p>
@@ -5572,7 +5577,7 @@
           <a:p>
             <a:fld id="{146F194B-0324-4B4D-834A-76BBE8B7C23B}" type="datetimeFigureOut">
               <a:rPr lang="ru-RU" smtClean="0"/>
-              <a:t>08.09.2024</a:t>
+              <a:t>10.09.2024</a:t>
             </a:fld>
             <a:endParaRPr lang="ru-RU"/>
           </a:p>
@@ -6575,8 +6580,8 @@
         </p:nvSpPr>
         <p:spPr>
           <a:xfrm>
-            <a:off x="-1" y="1322695"/>
-            <a:ext cx="12191999" cy="2308324"/>
+            <a:off x="1" y="897026"/>
+            <a:ext cx="12191999" cy="2862322"/>
           </a:xfrm>
           <a:prstGeom prst="rect">
             <a:avLst/>
@@ -6702,6 +6707,38 @@
               </a:rPr>
               <a:t>Метод, который вызывается при нажатии кнопки «Завершение работы».</a:t>
             </a:r>
+          </a:p>
+          <a:p>
+            <a:pPr marL="342900" indent="-342900">
+              <a:buFont typeface="+mj-lt"/>
+              <a:buAutoNum type="arabicPeriod"/>
+            </a:pPr>
+            <a:r>
+              <a:rPr lang="ru-RU" sz="1800" kern="0" dirty="0">
+                <a:effectLst/>
+                <a:latin typeface="Times New Roman" panose="02020603050405020304" pitchFamily="18" charset="0"/>
+                <a:ea typeface="Times New Roman" panose="02020603050405020304" pitchFamily="18" charset="0"/>
+              </a:rPr>
+              <a:t>Метод инкапсуляции</a:t>
+            </a:r>
+          </a:p>
+          <a:p>
+            <a:pPr marL="342900" indent="-342900">
+              <a:buFont typeface="+mj-lt"/>
+              <a:buAutoNum type="arabicPeriod"/>
+            </a:pPr>
+            <a:r>
+              <a:rPr lang="ru-RU" kern="0" dirty="0">
+                <a:latin typeface="Times New Roman" panose="02020603050405020304" pitchFamily="18" charset="0"/>
+                <a:ea typeface="Times New Roman" panose="02020603050405020304" pitchFamily="18" charset="0"/>
+              </a:rPr>
+              <a:t>Метод наследования</a:t>
+            </a:r>
+            <a:endParaRPr lang="ru-RU" sz="1800" kern="0" dirty="0">
+              <a:effectLst/>
+              <a:latin typeface="Times New Roman" panose="02020603050405020304" pitchFamily="18" charset="0"/>
+              <a:ea typeface="Times New Roman" panose="02020603050405020304" pitchFamily="18" charset="0"/>
+            </a:endParaRPr>
           </a:p>
           <a:p>
             <a:pPr marL="342900" indent="-342900">
@@ -6763,10 +6800,10 @@
       </p:sp>
       <p:pic>
         <p:nvPicPr>
-          <p:cNvPr id="6" name="Рисунок 5" descr="Изображение выглядит как текст, снимок экрана, Шрифт&#10;&#10;Автоматически созданное описание">
+          <p:cNvPr id="7" name="Рисунок 6" descr="Изображение выглядит как текст, снимок экрана, Шрифт, линия&#10;&#10;Автоматически созданное описание">
             <a:extLst>
               <a:ext uri="{FF2B5EF4-FFF2-40B4-BE49-F238E27FC236}">
-                <a16:creationId xmlns:a16="http://schemas.microsoft.com/office/drawing/2014/main" id="{CDE08CA4-A812-4AB6-ADBD-9543F51F0E66}"/>
+                <a16:creationId xmlns:a16="http://schemas.microsoft.com/office/drawing/2014/main" id="{33DBD166-6E30-3E7E-EB0C-A2BC8F6332C0}"/>
               </a:ext>
             </a:extLst>
           </p:cNvPr>
@@ -6783,37 +6820,7 @@
         </p:blipFill>
         <p:spPr>
           <a:xfrm>
-            <a:off x="6095998" y="4592845"/>
-            <a:ext cx="5477510" cy="1638300"/>
-          </a:xfrm>
-          <a:prstGeom prst="rect">
-            <a:avLst/>
-          </a:prstGeom>
-        </p:spPr>
-      </p:pic>
-      <p:pic>
-        <p:nvPicPr>
-          <p:cNvPr id="7" name="Рисунок 6" descr="Изображение выглядит как текст, снимок экрана, Шрифт, линия&#10;&#10;Автоматически созданное описание">
-            <a:extLst>
-              <a:ext uri="{FF2B5EF4-FFF2-40B4-BE49-F238E27FC236}">
-                <a16:creationId xmlns:a16="http://schemas.microsoft.com/office/drawing/2014/main" id="{33DBD166-6E30-3E7E-EB0C-A2BC8F6332C0}"/>
-              </a:ext>
-            </a:extLst>
-          </p:cNvPr>
-          <p:cNvPicPr>
-            <a:picLocks noChangeAspect="1"/>
-          </p:cNvPicPr>
-          <p:nvPr/>
-        </p:nvPicPr>
-        <p:blipFill>
-          <a:blip r:embed="rId3"/>
-          <a:stretch>
-            <a:fillRect/>
-          </a:stretch>
-        </p:blipFill>
-        <p:spPr>
-          <a:xfrm>
-            <a:off x="132907" y="4599724"/>
+            <a:off x="132907" y="4883357"/>
             <a:ext cx="4419600" cy="714375"/>
           </a:xfrm>
           <a:prstGeom prst="rect">
@@ -6836,14 +6843,14 @@
           <p:nvPr/>
         </p:nvPicPr>
         <p:blipFill>
-          <a:blip r:embed="rId4"/>
+          <a:blip r:embed="rId3"/>
           <a:stretch>
             <a:fillRect/>
           </a:stretch>
         </p:blipFill>
         <p:spPr>
           <a:xfrm>
-            <a:off x="132907" y="5529989"/>
+            <a:off x="132907" y="5817810"/>
             <a:ext cx="3886200" cy="772795"/>
           </a:xfrm>
           <a:prstGeom prst="rect">
@@ -6866,6 +6873,36 @@
           <p:nvPr/>
         </p:nvPicPr>
         <p:blipFill>
+          <a:blip r:embed="rId4"/>
+          <a:stretch>
+            <a:fillRect/>
+          </a:stretch>
+        </p:blipFill>
+        <p:spPr>
+          <a:xfrm>
+            <a:off x="132907" y="4054949"/>
+            <a:ext cx="6120130" cy="608330"/>
+          </a:xfrm>
+          <a:prstGeom prst="rect">
+            <a:avLst/>
+          </a:prstGeom>
+        </p:spPr>
+      </p:pic>
+      <p:pic>
+        <p:nvPicPr>
+          <p:cNvPr id="4" name="Рисунок 3">
+            <a:extLst>
+              <a:ext uri="{FF2B5EF4-FFF2-40B4-BE49-F238E27FC236}">
+                <a16:creationId xmlns:a16="http://schemas.microsoft.com/office/drawing/2014/main" id="{1BD13329-3BA4-33BB-50C6-DD165F98F4B4}"/>
+              </a:ext>
+            </a:extLst>
+          </p:cNvPr>
+          <p:cNvPicPr>
+            <a:picLocks noChangeAspect="1"/>
+          </p:cNvPicPr>
+          <p:nvPr/>
+        </p:nvPicPr>
+        <p:blipFill>
           <a:blip r:embed="rId5"/>
           <a:stretch>
             <a:fillRect/>
@@ -6873,8 +6910,8 @@
         </p:blipFill>
         <p:spPr>
           <a:xfrm>
-            <a:off x="132907" y="3728283"/>
-            <a:ext cx="6120130" cy="608330"/>
+            <a:off x="6972660" y="3609471"/>
+            <a:ext cx="4582164" cy="3077004"/>
           </a:xfrm>
           <a:prstGeom prst="rect">
             <a:avLst/>
@@ -7091,10 +7128,10 @@
       </p:sp>
       <p:pic>
         <p:nvPicPr>
-          <p:cNvPr id="11" name="Рисунок 10">
+          <p:cNvPr id="4" name="Рисунок 3">
             <a:extLst>
               <a:ext uri="{FF2B5EF4-FFF2-40B4-BE49-F238E27FC236}">
-                <a16:creationId xmlns:a16="http://schemas.microsoft.com/office/drawing/2014/main" id="{0B5678DA-134E-A018-F7D0-6732C885C342}"/>
+                <a16:creationId xmlns:a16="http://schemas.microsoft.com/office/drawing/2014/main" id="{5CF0E016-EDDF-4EA0-03C0-A2144346EDDF}"/>
               </a:ext>
             </a:extLst>
           </p:cNvPr>
@@ -7111,8 +7148,8 @@
         </p:blipFill>
         <p:spPr>
           <a:xfrm>
-            <a:off x="2989198" y="3934511"/>
-            <a:ext cx="6213603" cy="2785675"/>
+            <a:off x="3040887" y="3940452"/>
+            <a:ext cx="6110225" cy="2728182"/>
           </a:xfrm>
           <a:prstGeom prst="rect">
             <a:avLst/>
@@ -7191,10 +7228,10 @@
       </p:sp>
       <p:pic>
         <p:nvPicPr>
-          <p:cNvPr id="5" name="Рисунок 4">
+          <p:cNvPr id="4" name="Рисунок 3">
             <a:extLst>
               <a:ext uri="{FF2B5EF4-FFF2-40B4-BE49-F238E27FC236}">
-                <a16:creationId xmlns:a16="http://schemas.microsoft.com/office/drawing/2014/main" id="{A7844C4D-82E5-3760-702E-6E2ED1059356}"/>
+                <a16:creationId xmlns:a16="http://schemas.microsoft.com/office/drawing/2014/main" id="{E2F86C8F-6CE4-4192-D56B-CA62DEE32873}"/>
               </a:ext>
             </a:extLst>
           </p:cNvPr>
@@ -7211,8 +7248,8 @@
         </p:blipFill>
         <p:spPr>
           <a:xfrm>
-            <a:off x="1405609" y="1711842"/>
-            <a:ext cx="9380782" cy="4166650"/>
+            <a:off x="1367581" y="1702685"/>
+            <a:ext cx="9456837" cy="4177254"/>
           </a:xfrm>
           <a:prstGeom prst="rect">
             <a:avLst/>
